--- a/15-Rare-Hope-DAO/public/demo.pptx
+++ b/15-Rare-Hope-DAO/public/demo.pptx
@@ -3654,39 +3654,36 @@
             <p:ph type="subTitle" idx="1"/>
           </p:nvPr>
         </p:nvSpPr>
-        <p:spPr/>
-        <p:txBody>
-          <a:bodyPr/>
-          <a:lstStyle/>
+        <p:spPr>
+          <a:xfrm>
+            <a:off x="2417780" y="3531204"/>
+            <a:ext cx="8637072" cy="1214217"/>
+          </a:xfrm>
+        </p:spPr>
+        <p:txBody>
+          <a:bodyPr>
+            <a:normAutofit/>
+          </a:bodyPr>
+          <a:lstStyle/>
+          <a:p>
+            <a:r>
+              <a:rPr lang="zh-CN" altLang="en-US" dirty="0"/>
+              <a:t>            一个慈善性质的 </a:t>
+            </a:r>
+            <a:r>
+              <a:rPr lang="en-US" altLang="zh-CN" dirty="0"/>
+              <a:t>DAO</a:t>
+            </a:r>
+            <a:r>
+              <a:rPr lang="zh-CN" altLang="en-US" dirty="0"/>
+              <a:t>，通过智能合约，帮助罕见病患者及其家庭，募集资金</a:t>
+            </a:r>
+          </a:p>
           <a:p>
             <a:pPr algn="r"/>
             <a:r>
               <a:rPr lang="zh-CN" altLang="en-US" dirty="0"/>
-              <a:t>帮助不了解</a:t>
-            </a:r>
-            <a:r>
-              <a:rPr lang="en-US" altLang="zh-CN" dirty="0"/>
-              <a:t>web 3</a:t>
-            </a:r>
-            <a:r>
-              <a:rPr lang="zh-CN" altLang="en-US" dirty="0"/>
-              <a:t>的罕见病患者及其家庭进入</a:t>
-            </a:r>
-            <a:r>
-              <a:rPr lang="en-US" altLang="zh-CN" dirty="0"/>
-              <a:t>web 3</a:t>
-            </a:r>
-            <a:r>
-              <a:rPr lang="zh-CN" altLang="en-US" dirty="0"/>
-              <a:t>的世界，</a:t>
-            </a:r>
-            <a:endParaRPr lang="en-SG" altLang="zh-CN" dirty="0"/>
-          </a:p>
-          <a:p>
-            <a:pPr algn="r"/>
-            <a:r>
-              <a:rPr lang="zh-CN" altLang="en-US" dirty="0"/>
-              <a:t>为罕见病患者及其家庭带来希望。</a:t>
+              <a:t>为罕见病患者及其家庭带来希望</a:t>
             </a:r>
             <a:endParaRPr lang="en-SG" dirty="0"/>
           </a:p>
@@ -3880,15 +3877,15 @@
         </p:nvPicPr>
         <p:blipFill>
           <a:blip r:embed="rId2"/>
-          <a:srcRect l="14741" t="15617" r="14785" b="11711"/>
+          <a:srcRect l="15726" t="26976" r="16177" b="20237"/>
           <a:stretch>
             <a:fillRect/>
           </a:stretch>
         </p:blipFill>
         <p:spPr>
           <a:xfrm>
-            <a:off x="181492" y="0"/>
-            <a:ext cx="11829015" cy="6858000"/>
+            <a:off x="-16916" y="804519"/>
+            <a:ext cx="12208916" cy="5320895"/>
           </a:xfrm>
           <a:prstGeom prst="rect">
             <a:avLst/>
@@ -3986,7 +3983,7 @@
             </a:pPr>
             <a:r>
               <a:rPr lang="zh-CN" altLang="en-US" dirty="0"/>
-              <a:t>这个 </a:t>
+              <a:t>希罕 </a:t>
             </a:r>
             <a:r>
               <a:rPr lang="en-SG" dirty="0"/>
@@ -4879,7 +4876,7 @@
             </a:br>
             <a:r>
               <a:rPr lang="zh-CN" altLang="en-US" dirty="0"/>
-              <a:t>谢谢！</a:t>
+              <a:t>谢谢大家！</a:t>
             </a:r>
             <a:endParaRPr lang="en-SG" dirty="0"/>
           </a:p>
@@ -4913,6 +4910,9 @@
           </a:bodyPr>
           <a:lstStyle/>
           <a:p>
+            <a:pPr marL="0" indent="0">
+              <a:buNone/>
+            </a:pPr>
             <a:r>
               <a:rPr lang="en-SG" altLang="zh-CN" dirty="0"/>
               <a:t>Ric</a:t>
